--- a/files/陈老师编程.pptx
+++ b/files/陈老师编程.pptx
@@ -16,12 +16,13 @@
     <p:sldId id="265" r:id="rId9"/>
     <p:sldId id="261" r:id="rId10"/>
     <p:sldId id="262" r:id="rId11"/>
-    <p:sldId id="264" r:id="rId12"/>
+    <p:sldId id="269" r:id="rId12"/>
+    <p:sldId id="264" r:id="rId13"/>
   </p:sldIdLst>
   <p:sldSz cx="12192000" cy="6858000"/>
   <p:notesSz cx="6858000" cy="9144000"/>
   <p:custDataLst>
-    <p:tags r:id="rId16"/>
+    <p:tags r:id="rId17"/>
   </p:custDataLst>
   <p:defaultTextStyle>
     <a:defPPr>
@@ -3649,905 +3650,7 @@
 </p:sld>
 </file>
 
-<file path=ppt/slides/slide2.xml><?xml version="1.0" encoding="utf-8"?>
-<p:sld xmlns:a="http://schemas.openxmlformats.org/drawingml/2006/main" xmlns:r="http://schemas.openxmlformats.org/officeDocument/2006/relationships" xmlns:p="http://schemas.openxmlformats.org/presentationml/2006/main">
-  <p:cSld>
-    <p:spTree>
-      <p:nvGrpSpPr>
-        <p:cNvPr id="1" name=""/>
-        <p:cNvGrpSpPr/>
-        <p:nvPr/>
-      </p:nvGrpSpPr>
-      <p:grpSpPr/>
-      <p:sp>
-        <p:nvSpPr>
-          <p:cNvPr id="2" name="标题 1"/>
-          <p:cNvSpPr>
-            <a:spLocks noGrp="1"/>
-          </p:cNvSpPr>
-          <p:nvPr>
-            <p:ph type="title"/>
-          </p:nvPr>
-        </p:nvSpPr>
-        <p:spPr/>
-        <p:txBody>
-          <a:bodyPr/>
-          <a:p>
-            <a:r>
-              <a:rPr lang="zh-CN" altLang="en-US"/>
-              <a:t>我们要学习什么</a:t>
-            </a:r>
-            <a:endParaRPr lang="zh-CN" altLang="en-US"/>
-          </a:p>
-        </p:txBody>
-      </p:sp>
-      <p:sp>
-        <p:nvSpPr>
-          <p:cNvPr id="3" name="内容占位符 2"/>
-          <p:cNvSpPr>
-            <a:spLocks noGrp="1"/>
-          </p:cNvSpPr>
-          <p:nvPr>
-            <p:ph idx="1"/>
-          </p:nvPr>
-        </p:nvSpPr>
-        <p:spPr/>
-        <p:txBody>
-          <a:bodyPr/>
-          <a:p>
-            <a:r>
-              <a:rPr lang="zh-CN" altLang="en-US"/>
-              <a:t>利用</a:t>
-            </a:r>
-            <a:r>
-              <a:rPr lang="en-US" altLang="zh-CN"/>
-              <a:t>JAVA</a:t>
-            </a:r>
-            <a:r>
-              <a:rPr lang="zh-CN" altLang="en-US"/>
-              <a:t>语言，去求解各类实际问题。</a:t>
-            </a:r>
-            <a:endParaRPr lang="zh-CN" altLang="en-US"/>
-          </a:p>
-          <a:p>
-            <a:endParaRPr lang="zh-CN" altLang="en-US"/>
-          </a:p>
-          <a:p>
-            <a:r>
-              <a:rPr lang="zh-CN" altLang="en-US"/>
-              <a:t>比如：</a:t>
-            </a:r>
-            <a:endParaRPr lang="zh-CN" altLang="en-US"/>
-          </a:p>
-          <a:p>
-            <a:endParaRPr lang="zh-CN" altLang="en-US"/>
-          </a:p>
-          <a:p>
-            <a:endParaRPr lang="zh-CN" altLang="en-US"/>
-          </a:p>
-        </p:txBody>
-      </p:sp>
-      <p:pic>
-        <p:nvPicPr>
-          <p:cNvPr id="5" name="图片 4"/>
-          <p:cNvPicPr>
-            <a:picLocks noChangeAspect="1"/>
-          </p:cNvPicPr>
-          <p:nvPr/>
-        </p:nvPicPr>
-        <p:blipFill>
-          <a:blip r:embed="rId1"/>
-          <a:stretch>
-            <a:fillRect/>
-          </a:stretch>
-        </p:blipFill>
-        <p:spPr>
-          <a:xfrm>
-            <a:off x="1243965" y="3253105"/>
-            <a:ext cx="9491980" cy="2720975"/>
-          </a:xfrm>
-          <a:prstGeom prst="rect">
-            <a:avLst/>
-          </a:prstGeom>
-        </p:spPr>
-      </p:pic>
-    </p:spTree>
-  </p:cSld>
-  <p:clrMapOvr>
-    <a:masterClrMapping/>
-  </p:clrMapOvr>
-</p:sld>
-</file>
-
-<file path=ppt/slides/slide3.xml><?xml version="1.0" encoding="utf-8"?>
-<p:sld xmlns:a="http://schemas.openxmlformats.org/drawingml/2006/main" xmlns:r="http://schemas.openxmlformats.org/officeDocument/2006/relationships" xmlns:p="http://schemas.openxmlformats.org/presentationml/2006/main">
-  <p:cSld>
-    <p:spTree>
-      <p:nvGrpSpPr>
-        <p:cNvPr id="1" name=""/>
-        <p:cNvGrpSpPr/>
-        <p:nvPr/>
-      </p:nvGrpSpPr>
-      <p:grpSpPr/>
-      <p:sp>
-        <p:nvSpPr>
-          <p:cNvPr id="2" name="标题 1"/>
-          <p:cNvSpPr>
-            <a:spLocks noGrp="1"/>
-          </p:cNvSpPr>
-          <p:nvPr>
-            <p:ph type="title"/>
-          </p:nvPr>
-        </p:nvSpPr>
-        <p:spPr/>
-        <p:txBody>
-          <a:bodyPr/>
-          <a:p>
-            <a:r>
-              <a:rPr lang="zh-CN" altLang="en-US"/>
-              <a:t>为什么要学习？</a:t>
-            </a:r>
-            <a:endParaRPr lang="zh-CN" altLang="en-US"/>
-          </a:p>
-        </p:txBody>
-      </p:sp>
-      <p:sp>
-        <p:nvSpPr>
-          <p:cNvPr id="3" name="内容占位符 2"/>
-          <p:cNvSpPr>
-            <a:spLocks noGrp="1"/>
-          </p:cNvSpPr>
-          <p:nvPr>
-            <p:ph idx="1"/>
-          </p:nvPr>
-        </p:nvSpPr>
-        <p:spPr/>
-        <p:txBody>
-          <a:bodyPr/>
-          <a:p>
-            <a:endParaRPr lang="zh-CN" altLang="en-US"/>
-          </a:p>
-          <a:p>
-            <a:endParaRPr lang="zh-CN" altLang="en-US"/>
-          </a:p>
-          <a:p>
-            <a:r>
-              <a:rPr lang="zh-CN" altLang="en-US"/>
-              <a:t>提升编程水平，锻炼大脑思维能力</a:t>
-            </a:r>
-            <a:endParaRPr lang="zh-CN" altLang="en-US"/>
-          </a:p>
-          <a:p>
-            <a:endParaRPr lang="zh-CN" altLang="en-US"/>
-          </a:p>
-          <a:p>
-            <a:r>
-              <a:rPr lang="zh-CN" altLang="en-US"/>
-              <a:t>为参加各类编程比赛和信息技术大赛打下坚实基础</a:t>
-            </a:r>
-            <a:endParaRPr lang="zh-CN" altLang="en-US"/>
-          </a:p>
-          <a:p>
-            <a:endParaRPr lang="zh-CN" altLang="en-US"/>
-          </a:p>
-          <a:p>
-            <a:endParaRPr lang="zh-CN" altLang="en-US"/>
-          </a:p>
-        </p:txBody>
-      </p:sp>
-    </p:spTree>
-  </p:cSld>
-  <p:clrMapOvr>
-    <a:masterClrMapping/>
-  </p:clrMapOvr>
-</p:sld>
-</file>
-
-<file path=ppt/slides/slide4.xml><?xml version="1.0" encoding="utf-8"?>
-<p:sld xmlns:a="http://schemas.openxmlformats.org/drawingml/2006/main" xmlns:r="http://schemas.openxmlformats.org/officeDocument/2006/relationships" xmlns:p="http://schemas.openxmlformats.org/presentationml/2006/main">
-  <p:cSld>
-    <p:spTree>
-      <p:nvGrpSpPr>
-        <p:cNvPr id="1" name=""/>
-        <p:cNvGrpSpPr/>
-        <p:nvPr/>
-      </p:nvGrpSpPr>
-      <p:grpSpPr/>
-      <p:sp>
-        <p:nvSpPr>
-          <p:cNvPr id="2" name="标题 1"/>
-          <p:cNvSpPr>
-            <a:spLocks noGrp="1"/>
-          </p:cNvSpPr>
-          <p:nvPr>
-            <p:ph type="title"/>
-          </p:nvPr>
-        </p:nvSpPr>
-        <p:spPr/>
-        <p:txBody>
-          <a:bodyPr/>
-          <a:p>
-            <a:r>
-              <a:rPr lang="zh-CN" altLang="en-US"/>
-              <a:t>编程原则</a:t>
-            </a:r>
-            <a:endParaRPr lang="zh-CN" altLang="en-US"/>
-          </a:p>
-        </p:txBody>
-      </p:sp>
-      <p:sp>
-        <p:nvSpPr>
-          <p:cNvPr id="3" name="内容占位符 2"/>
-          <p:cNvSpPr>
-            <a:spLocks noGrp="1"/>
-          </p:cNvSpPr>
-          <p:nvPr>
-            <p:ph idx="1"/>
-          </p:nvPr>
-        </p:nvSpPr>
-        <p:spPr/>
-        <p:txBody>
-          <a:bodyPr/>
-          <a:p>
-            <a:endParaRPr lang="zh-CN" altLang="en-US"/>
-          </a:p>
-          <a:p>
-            <a:r>
-              <a:rPr lang="zh-CN" altLang="en-US"/>
-              <a:t>不追求</a:t>
-            </a:r>
-            <a:r>
-              <a:rPr lang="en-US" altLang="zh-CN"/>
-              <a:t>“</a:t>
-            </a:r>
-            <a:r>
-              <a:rPr lang="zh-CN" altLang="en-US"/>
-              <a:t>最优解</a:t>
-            </a:r>
-            <a:r>
-              <a:rPr lang="en-US" altLang="zh-CN"/>
-              <a:t>”</a:t>
-            </a:r>
-            <a:r>
-              <a:rPr lang="zh-CN" altLang="zh-CN"/>
-              <a:t>，在满足题目要求前提下，尽量兼顾代码效率和可读、可理解性。</a:t>
-            </a:r>
-            <a:endParaRPr lang="zh-CN" altLang="zh-CN"/>
-          </a:p>
-          <a:p>
-            <a:r>
-              <a:rPr lang="zh-CN" altLang="zh-CN"/>
-              <a:t>以</a:t>
-            </a:r>
-            <a:r>
-              <a:rPr lang="en-US" altLang="zh-CN"/>
-              <a:t>“</a:t>
-            </a:r>
-            <a:r>
-              <a:rPr lang="zh-CN" altLang="en-US"/>
-              <a:t>计算机思维</a:t>
-            </a:r>
-            <a:r>
-              <a:rPr lang="en-US" altLang="zh-CN"/>
-              <a:t>”</a:t>
-            </a:r>
-            <a:r>
-              <a:rPr lang="zh-CN" altLang="en-US"/>
-              <a:t>方式解决问题，而不追求以</a:t>
-            </a:r>
-            <a:r>
-              <a:rPr lang="en-US" altLang="zh-CN"/>
-              <a:t>“</a:t>
-            </a:r>
-            <a:r>
-              <a:rPr lang="zh-CN" altLang="en-US"/>
-              <a:t>数学</a:t>
-            </a:r>
-            <a:r>
-              <a:rPr lang="en-US" altLang="zh-CN"/>
-              <a:t>”</a:t>
-            </a:r>
-            <a:r>
-              <a:rPr lang="zh-CN" altLang="en-US"/>
-              <a:t>方式解决问题</a:t>
-            </a:r>
-            <a:endParaRPr lang="zh-CN" altLang="zh-CN"/>
-          </a:p>
-          <a:p>
-            <a:r>
-              <a:rPr lang="zh-CN" altLang="zh-CN"/>
-              <a:t>例如：求解</a:t>
-            </a:r>
-            <a:r>
-              <a:rPr lang="en-US" altLang="zh-CN"/>
-              <a:t>1+2+3+...+n</a:t>
-            </a:r>
-            <a:r>
-              <a:rPr lang="zh-CN" altLang="zh-CN"/>
-              <a:t>，按照数学思维可直接采用</a:t>
-            </a:r>
-            <a:r>
-              <a:rPr lang="en-US" altLang="zh-CN"/>
-              <a:t>S=(1+n)*n/2</a:t>
-            </a:r>
-            <a:r>
-              <a:rPr lang="zh-CN" altLang="zh-CN"/>
-              <a:t>得到答案，但按照计算机思维，可以使用循环累加实现，尽管数学公式方式更简单快捷，但我们仍然倾向于使用累加计算的方式。</a:t>
-            </a:r>
-            <a:endParaRPr lang="zh-CN" altLang="zh-CN"/>
-          </a:p>
-          <a:p>
-            <a:r>
-              <a:rPr lang="en-US" altLang="zh-CN"/>
-              <a:t>“</a:t>
-            </a:r>
-            <a:r>
-              <a:rPr lang="zh-CN" altLang="en-US"/>
-              <a:t>条条大路通罗马</a:t>
-            </a:r>
-            <a:r>
-              <a:rPr lang="en-US" altLang="zh-CN"/>
-              <a:t>”</a:t>
-            </a:r>
-            <a:r>
-              <a:rPr lang="zh-CN" altLang="en-US"/>
-              <a:t>，如果您有更好的解题方法，欢迎留言讨论。</a:t>
-            </a:r>
-            <a:endParaRPr lang="zh-CN" altLang="zh-CN"/>
-          </a:p>
-          <a:p>
-            <a:r>
-              <a:rPr lang="zh-CN" altLang="zh-CN"/>
-              <a:t>兼顾</a:t>
-            </a:r>
-            <a:r>
-              <a:rPr lang="en-US" altLang="zh-CN"/>
-              <a:t>JAVA</a:t>
-            </a:r>
-            <a:r>
-              <a:rPr lang="zh-CN" altLang="en-US"/>
-              <a:t>编程规范，体现面向对象编程思想</a:t>
-            </a:r>
-            <a:endParaRPr lang="zh-CN" altLang="en-US"/>
-          </a:p>
-        </p:txBody>
-      </p:sp>
-    </p:spTree>
-  </p:cSld>
-  <p:clrMapOvr>
-    <a:masterClrMapping/>
-  </p:clrMapOvr>
-</p:sld>
-</file>
-
-<file path=ppt/slides/slide5.xml><?xml version="1.0" encoding="utf-8"?>
-<p:sld xmlns:a="http://schemas.openxmlformats.org/drawingml/2006/main" xmlns:r="http://schemas.openxmlformats.org/officeDocument/2006/relationships" xmlns:p="http://schemas.openxmlformats.org/presentationml/2006/main">
-  <p:cSld>
-    <p:spTree>
-      <p:nvGrpSpPr>
-        <p:cNvPr id="1" name=""/>
-        <p:cNvGrpSpPr/>
-        <p:nvPr/>
-      </p:nvGrpSpPr>
-      <p:grpSpPr/>
-      <p:sp>
-        <p:nvSpPr>
-          <p:cNvPr id="2" name="标题 1"/>
-          <p:cNvSpPr>
-            <a:spLocks noGrp="1"/>
-          </p:cNvSpPr>
-          <p:nvPr>
-            <p:ph type="title"/>
-          </p:nvPr>
-        </p:nvSpPr>
-        <p:spPr/>
-        <p:txBody>
-          <a:bodyPr/>
-          <a:p>
-            <a:r>
-              <a:rPr lang="zh-CN" altLang="en-US"/>
-              <a:t>编程环境</a:t>
-            </a:r>
-            <a:endParaRPr lang="zh-CN" altLang="en-US"/>
-          </a:p>
-        </p:txBody>
-      </p:sp>
-      <p:sp>
-        <p:nvSpPr>
-          <p:cNvPr id="3" name="内容占位符 2"/>
-          <p:cNvSpPr>
-            <a:spLocks noGrp="1"/>
-          </p:cNvSpPr>
-          <p:nvPr>
-            <p:ph idx="1"/>
-          </p:nvPr>
-        </p:nvSpPr>
-        <p:spPr/>
-        <p:txBody>
-          <a:bodyPr/>
-          <a:p>
-            <a:r>
-              <a:rPr lang="en-US" altLang="zh-CN"/>
-              <a:t>JDK&gt;=1.8</a:t>
-            </a:r>
-            <a:endParaRPr lang="en-US" altLang="zh-CN"/>
-          </a:p>
-          <a:p>
-            <a:endParaRPr lang="en-US" altLang="zh-CN"/>
-          </a:p>
-          <a:p>
-            <a:r>
-              <a:rPr lang="zh-CN" altLang="zh-CN"/>
-              <a:t>仅使用</a:t>
-            </a:r>
-            <a:r>
-              <a:rPr lang="en-US" altLang="zh-CN"/>
-              <a:t>JDK</a:t>
-            </a:r>
-            <a:r>
-              <a:rPr lang="zh-CN" altLang="en-US"/>
-              <a:t>官方开发包，不使用其它任何第三方包</a:t>
-            </a:r>
-            <a:endParaRPr lang="zh-CN" altLang="en-US"/>
-          </a:p>
-          <a:p>
-            <a:endParaRPr lang="zh-CN" altLang="en-US"/>
-          </a:p>
-          <a:p>
-            <a:r>
-              <a:rPr lang="en-US" altLang="zh-CN"/>
-              <a:t>IDE</a:t>
-            </a:r>
-            <a:r>
-              <a:rPr lang="zh-CN" altLang="en-US"/>
-              <a:t>采用</a:t>
-            </a:r>
-            <a:r>
-              <a:rPr lang="en-US" altLang="zh-CN"/>
-              <a:t>Eclipse 2020</a:t>
-            </a:r>
-            <a:r>
-              <a:rPr lang="zh-CN" altLang="zh-CN"/>
-              <a:t>版，但您可以使用其它任何</a:t>
-            </a:r>
-            <a:r>
-              <a:rPr lang="en-US" altLang="zh-CN"/>
-              <a:t>JAVA</a:t>
-            </a:r>
-            <a:r>
-              <a:rPr lang="zh-CN" altLang="en-US"/>
-              <a:t>开发环境编译、运行代码，包括但不限于</a:t>
-            </a:r>
-            <a:r>
-              <a:rPr lang="en-US" altLang="en-US"/>
-              <a:t>IDEA</a:t>
-            </a:r>
-            <a:r>
-              <a:rPr lang="zh-CN" altLang="en-US"/>
-              <a:t>、</a:t>
-            </a:r>
-            <a:r>
-              <a:rPr lang="en-US" altLang="en-US"/>
-              <a:t>Netbeans</a:t>
-            </a:r>
-            <a:r>
-              <a:rPr lang="zh-CN" altLang="en-US"/>
-              <a:t>等。</a:t>
-            </a:r>
-            <a:endParaRPr lang="en-US" altLang="en-US"/>
-          </a:p>
-          <a:p>
-            <a:endParaRPr lang="en-US" altLang="en-US"/>
-          </a:p>
-          <a:p>
-            <a:endParaRPr lang="en-US" altLang="en-US"/>
-          </a:p>
-        </p:txBody>
-      </p:sp>
-    </p:spTree>
-  </p:cSld>
-  <p:clrMapOvr>
-    <a:masterClrMapping/>
-  </p:clrMapOvr>
-</p:sld>
-</file>
-
-<file path=ppt/slides/slide6.xml><?xml version="1.0" encoding="utf-8"?>
-<p:sld xmlns:a="http://schemas.openxmlformats.org/drawingml/2006/main" xmlns:r="http://schemas.openxmlformats.org/officeDocument/2006/relationships" xmlns:p="http://schemas.openxmlformats.org/presentationml/2006/main">
-  <p:cSld>
-    <p:spTree>
-      <p:nvGrpSpPr>
-        <p:cNvPr id="1" name=""/>
-        <p:cNvGrpSpPr/>
-        <p:nvPr/>
-      </p:nvGrpSpPr>
-      <p:grpSpPr/>
-      <p:sp>
-        <p:nvSpPr>
-          <p:cNvPr id="2" name="标题 1"/>
-          <p:cNvSpPr>
-            <a:spLocks noGrp="1"/>
-          </p:cNvSpPr>
-          <p:nvPr>
-            <p:ph type="title"/>
-          </p:nvPr>
-        </p:nvSpPr>
-        <p:spPr/>
-        <p:txBody>
-          <a:bodyPr/>
-          <a:p>
-            <a:endParaRPr lang="zh-CN" altLang="en-US"/>
-          </a:p>
-        </p:txBody>
-      </p:sp>
-      <p:pic>
-        <p:nvPicPr>
-          <p:cNvPr id="4" name="内容占位符 3"/>
-          <p:cNvPicPr>
-            <a:picLocks noChangeAspect="1"/>
-          </p:cNvPicPr>
-          <p:nvPr>
-            <p:ph idx="1"/>
-          </p:nvPr>
-        </p:nvPicPr>
-        <p:blipFill>
-          <a:blip r:embed="rId1"/>
-          <a:stretch>
-            <a:fillRect/>
-          </a:stretch>
-        </p:blipFill>
-        <p:spPr>
-          <a:xfrm>
-            <a:off x="2680335" y="1603375"/>
-            <a:ext cx="6240145" cy="4169410"/>
-          </a:xfrm>
-          <a:prstGeom prst="rect">
-            <a:avLst/>
-          </a:prstGeom>
-        </p:spPr>
-      </p:pic>
-    </p:spTree>
-  </p:cSld>
-  <p:clrMapOvr>
-    <a:masterClrMapping/>
-  </p:clrMapOvr>
-</p:sld>
-</file>
-
-<file path=ppt/slides/slide7.xml><?xml version="1.0" encoding="utf-8"?>
-<p:sld xmlns:a="http://schemas.openxmlformats.org/drawingml/2006/main" xmlns:r="http://schemas.openxmlformats.org/officeDocument/2006/relationships" xmlns:p="http://schemas.openxmlformats.org/presentationml/2006/main">
-  <p:cSld>
-    <p:spTree>
-      <p:nvGrpSpPr>
-        <p:cNvPr id="1" name=""/>
-        <p:cNvGrpSpPr/>
-        <p:nvPr/>
-      </p:nvGrpSpPr>
-      <p:grpSpPr/>
-      <p:sp>
-        <p:nvSpPr>
-          <p:cNvPr id="2" name="标题 1"/>
-          <p:cNvSpPr>
-            <a:spLocks noGrp="1"/>
-          </p:cNvSpPr>
-          <p:nvPr>
-            <p:ph type="title"/>
-          </p:nvPr>
-        </p:nvSpPr>
-        <p:spPr/>
-        <p:txBody>
-          <a:bodyPr/>
-          <a:p>
-            <a:r>
-              <a:rPr lang="zh-CN" altLang="en-US"/>
-              <a:t>题目来源</a:t>
-            </a:r>
-            <a:endParaRPr lang="zh-CN" altLang="en-US"/>
-          </a:p>
-        </p:txBody>
-      </p:sp>
-      <p:sp>
-        <p:nvSpPr>
-          <p:cNvPr id="3" name="内容占位符 2"/>
-          <p:cNvSpPr>
-            <a:spLocks noGrp="1"/>
-          </p:cNvSpPr>
-          <p:nvPr>
-            <p:ph idx="1"/>
-          </p:nvPr>
-        </p:nvSpPr>
-        <p:spPr/>
-        <p:txBody>
-          <a:bodyPr/>
-          <a:p>
-            <a:endParaRPr lang="zh-CN" altLang="en-US"/>
-          </a:p>
-          <a:p>
-            <a:endParaRPr lang="zh-CN" altLang="en-US"/>
-          </a:p>
-          <a:p>
-            <a:r>
-              <a:rPr lang="zh-CN" altLang="en-US"/>
-              <a:t>题目来自于全国软件和信息技术竞赛、全国青少年信息学奥林匹克竞赛等。</a:t>
-            </a:r>
-            <a:endParaRPr lang="zh-CN" altLang="en-US"/>
-          </a:p>
-          <a:p>
-            <a:r>
-              <a:rPr lang="zh-CN" altLang="en-US"/>
-              <a:t>根据难度等级不同，分为</a:t>
-            </a:r>
-            <a:r>
-              <a:rPr lang="en-US" altLang="en-US"/>
-              <a:t>A</a:t>
-            </a:r>
-            <a:r>
-              <a:rPr lang="zh-CN" altLang="en-US"/>
-              <a:t>、</a:t>
-            </a:r>
-            <a:r>
-              <a:rPr lang="en-US" altLang="zh-CN"/>
-              <a:t>B</a:t>
-            </a:r>
-            <a:r>
-              <a:rPr lang="zh-CN" altLang="en-US"/>
-              <a:t>、</a:t>
-            </a:r>
-            <a:r>
-              <a:rPr lang="en-US" altLang="zh-CN"/>
-              <a:t>C</a:t>
-            </a:r>
-            <a:r>
-              <a:rPr lang="zh-CN" altLang="en-US"/>
-              <a:t>、</a:t>
-            </a:r>
-            <a:r>
-              <a:rPr lang="en-US" altLang="zh-CN"/>
-              <a:t>D</a:t>
-            </a:r>
-            <a:r>
-              <a:rPr lang="zh-CN" altLang="zh-CN"/>
-              <a:t>四档，</a:t>
-            </a:r>
-            <a:r>
-              <a:rPr lang="en-US" altLang="zh-CN"/>
-              <a:t>A</a:t>
-            </a:r>
-            <a:r>
-              <a:rPr lang="zh-CN" altLang="en-US"/>
-              <a:t>最高，</a:t>
-            </a:r>
-            <a:r>
-              <a:rPr lang="en-US" altLang="zh-CN"/>
-              <a:t>D</a:t>
-            </a:r>
-            <a:r>
-              <a:rPr lang="zh-CN" altLang="en-US"/>
-              <a:t>最低。</a:t>
-            </a:r>
-            <a:endParaRPr lang="zh-CN" altLang="en-US"/>
-          </a:p>
-          <a:p>
-            <a:endParaRPr lang="zh-CN" altLang="en-US"/>
-          </a:p>
-          <a:p>
-            <a:r>
-              <a:rPr lang="zh-CN" altLang="en-US"/>
-              <a:t>如果您对编程感兴趣，即使不参加任何竞赛，也非常欢迎参加我们的编程讲解。</a:t>
-            </a:r>
-            <a:endParaRPr lang="zh-CN" altLang="en-US"/>
-          </a:p>
-          <a:p>
-            <a:endParaRPr lang="zh-CN" altLang="en-US"/>
-          </a:p>
-          <a:p>
-            <a:endParaRPr lang="zh-CN" altLang="en-US"/>
-          </a:p>
-        </p:txBody>
-      </p:sp>
-    </p:spTree>
-  </p:cSld>
-  <p:clrMapOvr>
-    <a:masterClrMapping/>
-  </p:clrMapOvr>
-</p:sld>
-</file>
-
-<file path=ppt/slides/slide8.xml><?xml version="1.0" encoding="utf-8"?>
-<p:sld xmlns:a="http://schemas.openxmlformats.org/drawingml/2006/main" xmlns:r="http://schemas.openxmlformats.org/officeDocument/2006/relationships" xmlns:p="http://schemas.openxmlformats.org/presentationml/2006/main">
-  <p:cSld>
-    <p:spTree>
-      <p:nvGrpSpPr>
-        <p:cNvPr id="1" name=""/>
-        <p:cNvGrpSpPr/>
-        <p:nvPr/>
-      </p:nvGrpSpPr>
-      <p:grpSpPr/>
-      <p:sp>
-        <p:nvSpPr>
-          <p:cNvPr id="2" name="标题 1"/>
-          <p:cNvSpPr>
-            <a:spLocks noGrp="1"/>
-          </p:cNvSpPr>
-          <p:nvPr>
-            <p:ph type="title"/>
-          </p:nvPr>
-        </p:nvSpPr>
-        <p:spPr/>
-        <p:txBody>
-          <a:bodyPr/>
-          <a:p>
-            <a:r>
-              <a:rPr lang="zh-CN" altLang="en-US"/>
-              <a:t>需要的基础</a:t>
-            </a:r>
-            <a:endParaRPr lang="zh-CN" altLang="en-US"/>
-          </a:p>
-        </p:txBody>
-      </p:sp>
-      <p:sp>
-        <p:nvSpPr>
-          <p:cNvPr id="3" name="内容占位符 2"/>
-          <p:cNvSpPr>
-            <a:spLocks noGrp="1"/>
-          </p:cNvSpPr>
-          <p:nvPr>
-            <p:ph idx="1"/>
-          </p:nvPr>
-        </p:nvSpPr>
-        <p:spPr/>
-        <p:txBody>
-          <a:bodyPr/>
-          <a:p>
-            <a:r>
-              <a:rPr lang="en-US" altLang="zh-CN"/>
-              <a:t>JAVA</a:t>
-            </a:r>
-            <a:r>
-              <a:rPr lang="zh-CN" altLang="en-US"/>
-              <a:t>基础知识，包括</a:t>
-            </a:r>
-            <a:r>
-              <a:rPr lang="en-US" altLang="zh-CN"/>
-              <a:t>JAVA</a:t>
-            </a:r>
-            <a:r>
-              <a:rPr lang="zh-CN" altLang="en-US"/>
-              <a:t>表达式、流程控制、面向对象（封装、继承、多态）、字符串（</a:t>
-            </a:r>
-            <a:r>
-              <a:rPr lang="en-US" altLang="zh-CN"/>
-              <a:t>String</a:t>
-            </a:r>
-            <a:r>
-              <a:rPr lang="zh-CN" altLang="en-US"/>
-              <a:t>、</a:t>
-            </a:r>
-            <a:r>
-              <a:rPr lang="en-US" altLang="en-US"/>
-              <a:t>StringBuffer</a:t>
-            </a:r>
-            <a:r>
-              <a:rPr lang="zh-CN" altLang="en-US"/>
-              <a:t>）、日期（</a:t>
-            </a:r>
-            <a:r>
-              <a:rPr lang="en-US" altLang="en-US"/>
-              <a:t>Date</a:t>
-            </a:r>
-            <a:r>
-              <a:rPr lang="zh-CN" altLang="en-US"/>
-              <a:t>、</a:t>
-            </a:r>
-            <a:r>
-              <a:rPr lang="en-US" altLang="en-US"/>
-              <a:t>Calendar</a:t>
-            </a:r>
-            <a:r>
-              <a:rPr lang="zh-CN" altLang="en-US"/>
-              <a:t>、</a:t>
-            </a:r>
-            <a:r>
-              <a:rPr lang="en-US" altLang="en-US"/>
-              <a:t>LocalDate</a:t>
-            </a:r>
-            <a:r>
-              <a:rPr lang="zh-CN" altLang="en-US"/>
-              <a:t>等）、数学类（</a:t>
-            </a:r>
-            <a:r>
-              <a:rPr lang="en-US" altLang="zh-CN"/>
-              <a:t>Math</a:t>
-            </a:r>
-            <a:r>
-              <a:rPr lang="zh-CN" altLang="en-US"/>
-              <a:t>）等。</a:t>
-            </a:r>
-            <a:endParaRPr lang="zh-CN" altLang="en-US"/>
-          </a:p>
-          <a:p>
-            <a:r>
-              <a:rPr lang="zh-CN" altLang="en-US"/>
-              <a:t>熟悉</a:t>
-            </a:r>
-            <a:r>
-              <a:rPr lang="en-US" altLang="zh-CN"/>
-              <a:t>JAVA</a:t>
-            </a:r>
-            <a:r>
-              <a:rPr lang="zh-CN" altLang="en-US"/>
-              <a:t>集合框架，包括</a:t>
-            </a:r>
-            <a:r>
-              <a:rPr lang="en-US" altLang="en-US"/>
-              <a:t>List</a:t>
-            </a:r>
-            <a:r>
-              <a:rPr lang="zh-CN" altLang="en-US"/>
-              <a:t>、</a:t>
-            </a:r>
-            <a:r>
-              <a:rPr lang="en-US" altLang="en-US"/>
-              <a:t>Set</a:t>
-            </a:r>
-            <a:r>
-              <a:rPr lang="zh-CN" altLang="en-US"/>
-              <a:t>、</a:t>
-            </a:r>
-            <a:r>
-              <a:rPr lang="en-US" altLang="en-US"/>
-              <a:t>Map</a:t>
-            </a:r>
-            <a:r>
-              <a:rPr lang="zh-CN" altLang="en-US"/>
-              <a:t>、</a:t>
-            </a:r>
-            <a:r>
-              <a:rPr lang="en-US" altLang="en-US"/>
-              <a:t>Queue</a:t>
-            </a:r>
-            <a:r>
-              <a:rPr lang="zh-CN" altLang="en-US"/>
-              <a:t>、</a:t>
-            </a:r>
-            <a:r>
-              <a:rPr lang="en-US" altLang="en-US"/>
-              <a:t>Stack</a:t>
-            </a:r>
-            <a:r>
-              <a:rPr lang="zh-CN" altLang="en-US"/>
-              <a:t>等。</a:t>
-            </a:r>
-            <a:endParaRPr lang="zh-CN" altLang="en-US"/>
-          </a:p>
-          <a:p>
-            <a:r>
-              <a:rPr lang="zh-CN" altLang="en-US"/>
-              <a:t>掌握一些基本的算法，例如排序、递归、树、图等结构。</a:t>
-            </a:r>
-            <a:endParaRPr lang="zh-CN" altLang="en-US"/>
-          </a:p>
-          <a:p>
-            <a:endParaRPr lang="zh-CN" altLang="en-US"/>
-          </a:p>
-          <a:p>
-            <a:r>
-              <a:rPr lang="zh-CN" altLang="en-US"/>
-              <a:t>我们并不是专门讲数据结构和算法，也不会使用过于复杂的算法逻辑，所以您不必在这方面纠结</a:t>
-            </a:r>
-            <a:endParaRPr lang="zh-CN" altLang="en-US"/>
-          </a:p>
-        </p:txBody>
-      </p:sp>
-    </p:spTree>
-  </p:cSld>
-  <p:clrMapOvr>
-    <a:masterClrMapping/>
-  </p:clrMapOvr>
-</p:sld>
-</file>
-
-<file path=ppt/slides/slide9.xml><?xml version="1.0" encoding="utf-8"?>
+<file path=ppt/slides/slide10.xml><?xml version="1.0" encoding="utf-8"?>
 <p:sld xmlns:a="http://schemas.openxmlformats.org/drawingml/2006/main" xmlns:r="http://schemas.openxmlformats.org/officeDocument/2006/relationships" xmlns:p="http://schemas.openxmlformats.org/presentationml/2006/main">
   <p:cSld>
     <p:bg>
@@ -6271,6 +5374,998 @@
 </p:sld>
 </file>
 
+<file path=ppt/slides/slide2.xml><?xml version="1.0" encoding="utf-8"?>
+<p:sld xmlns:a="http://schemas.openxmlformats.org/drawingml/2006/main" xmlns:r="http://schemas.openxmlformats.org/officeDocument/2006/relationships" xmlns:p="http://schemas.openxmlformats.org/presentationml/2006/main">
+  <p:cSld>
+    <p:spTree>
+      <p:nvGrpSpPr>
+        <p:cNvPr id="1" name=""/>
+        <p:cNvGrpSpPr/>
+        <p:nvPr/>
+      </p:nvGrpSpPr>
+      <p:grpSpPr/>
+      <p:sp>
+        <p:nvSpPr>
+          <p:cNvPr id="2" name="标题 1"/>
+          <p:cNvSpPr>
+            <a:spLocks noGrp="1"/>
+          </p:cNvSpPr>
+          <p:nvPr>
+            <p:ph type="title"/>
+          </p:nvPr>
+        </p:nvSpPr>
+        <p:spPr/>
+        <p:txBody>
+          <a:bodyPr/>
+          <a:p>
+            <a:r>
+              <a:rPr lang="zh-CN" altLang="en-US"/>
+              <a:t>我们要学习什么</a:t>
+            </a:r>
+            <a:endParaRPr lang="zh-CN" altLang="en-US"/>
+          </a:p>
+        </p:txBody>
+      </p:sp>
+      <p:sp>
+        <p:nvSpPr>
+          <p:cNvPr id="3" name="内容占位符 2"/>
+          <p:cNvSpPr>
+            <a:spLocks noGrp="1"/>
+          </p:cNvSpPr>
+          <p:nvPr>
+            <p:ph idx="1"/>
+          </p:nvPr>
+        </p:nvSpPr>
+        <p:spPr/>
+        <p:txBody>
+          <a:bodyPr/>
+          <a:p>
+            <a:r>
+              <a:rPr lang="zh-CN" altLang="en-US"/>
+              <a:t>利用</a:t>
+            </a:r>
+            <a:r>
+              <a:rPr lang="en-US" altLang="zh-CN"/>
+              <a:t>JAVA</a:t>
+            </a:r>
+            <a:r>
+              <a:rPr lang="zh-CN" altLang="en-US"/>
+              <a:t>语言，去求解各类实际问题。</a:t>
+            </a:r>
+            <a:endParaRPr lang="zh-CN" altLang="en-US"/>
+          </a:p>
+          <a:p>
+            <a:endParaRPr lang="zh-CN" altLang="en-US"/>
+          </a:p>
+          <a:p>
+            <a:r>
+              <a:rPr lang="zh-CN" altLang="en-US"/>
+              <a:t>比如：</a:t>
+            </a:r>
+            <a:endParaRPr lang="zh-CN" altLang="en-US"/>
+          </a:p>
+          <a:p>
+            <a:endParaRPr lang="zh-CN" altLang="en-US"/>
+          </a:p>
+          <a:p>
+            <a:endParaRPr lang="zh-CN" altLang="en-US"/>
+          </a:p>
+        </p:txBody>
+      </p:sp>
+      <p:pic>
+        <p:nvPicPr>
+          <p:cNvPr id="5" name="图片 4"/>
+          <p:cNvPicPr>
+            <a:picLocks noChangeAspect="1"/>
+          </p:cNvPicPr>
+          <p:nvPr/>
+        </p:nvPicPr>
+        <p:blipFill>
+          <a:blip r:embed="rId1"/>
+          <a:stretch>
+            <a:fillRect/>
+          </a:stretch>
+        </p:blipFill>
+        <p:spPr>
+          <a:xfrm>
+            <a:off x="1243965" y="3253105"/>
+            <a:ext cx="9491980" cy="2720975"/>
+          </a:xfrm>
+          <a:prstGeom prst="rect">
+            <a:avLst/>
+          </a:prstGeom>
+        </p:spPr>
+      </p:pic>
+    </p:spTree>
+  </p:cSld>
+  <p:clrMapOvr>
+    <a:masterClrMapping/>
+  </p:clrMapOvr>
+</p:sld>
+</file>
+
+<file path=ppt/slides/slide3.xml><?xml version="1.0" encoding="utf-8"?>
+<p:sld xmlns:a="http://schemas.openxmlformats.org/drawingml/2006/main" xmlns:r="http://schemas.openxmlformats.org/officeDocument/2006/relationships" xmlns:p="http://schemas.openxmlformats.org/presentationml/2006/main">
+  <p:cSld>
+    <p:spTree>
+      <p:nvGrpSpPr>
+        <p:cNvPr id="1" name=""/>
+        <p:cNvGrpSpPr/>
+        <p:nvPr/>
+      </p:nvGrpSpPr>
+      <p:grpSpPr/>
+      <p:sp>
+        <p:nvSpPr>
+          <p:cNvPr id="2" name="标题 1"/>
+          <p:cNvSpPr>
+            <a:spLocks noGrp="1"/>
+          </p:cNvSpPr>
+          <p:nvPr>
+            <p:ph type="title"/>
+          </p:nvPr>
+        </p:nvSpPr>
+        <p:spPr/>
+        <p:txBody>
+          <a:bodyPr/>
+          <a:p>
+            <a:r>
+              <a:rPr lang="zh-CN" altLang="en-US"/>
+              <a:t>为什么要学习？</a:t>
+            </a:r>
+            <a:endParaRPr lang="zh-CN" altLang="en-US"/>
+          </a:p>
+        </p:txBody>
+      </p:sp>
+      <p:sp>
+        <p:nvSpPr>
+          <p:cNvPr id="3" name="内容占位符 2"/>
+          <p:cNvSpPr>
+            <a:spLocks noGrp="1"/>
+          </p:cNvSpPr>
+          <p:nvPr>
+            <p:ph idx="1"/>
+          </p:nvPr>
+        </p:nvSpPr>
+        <p:spPr/>
+        <p:txBody>
+          <a:bodyPr/>
+          <a:p>
+            <a:endParaRPr lang="zh-CN" altLang="en-US"/>
+          </a:p>
+          <a:p>
+            <a:endParaRPr lang="zh-CN" altLang="en-US"/>
+          </a:p>
+          <a:p>
+            <a:r>
+              <a:rPr lang="zh-CN" altLang="en-US"/>
+              <a:t>提升编程水平，锻炼大脑思维能力</a:t>
+            </a:r>
+            <a:endParaRPr lang="zh-CN" altLang="en-US"/>
+          </a:p>
+          <a:p>
+            <a:endParaRPr lang="zh-CN" altLang="en-US"/>
+          </a:p>
+          <a:p>
+            <a:r>
+              <a:rPr lang="zh-CN" altLang="en-US"/>
+              <a:t>为参加各类编程比赛和信息技术大赛打下坚实基础</a:t>
+            </a:r>
+            <a:endParaRPr lang="zh-CN" altLang="en-US"/>
+          </a:p>
+          <a:p>
+            <a:endParaRPr lang="zh-CN" altLang="en-US"/>
+          </a:p>
+          <a:p>
+            <a:endParaRPr lang="zh-CN" altLang="en-US"/>
+          </a:p>
+        </p:txBody>
+      </p:sp>
+    </p:spTree>
+  </p:cSld>
+  <p:clrMapOvr>
+    <a:masterClrMapping/>
+  </p:clrMapOvr>
+</p:sld>
+</file>
+
+<file path=ppt/slides/slide4.xml><?xml version="1.0" encoding="utf-8"?>
+<p:sld xmlns:a="http://schemas.openxmlformats.org/drawingml/2006/main" xmlns:r="http://schemas.openxmlformats.org/officeDocument/2006/relationships" xmlns:p="http://schemas.openxmlformats.org/presentationml/2006/main">
+  <p:cSld>
+    <p:spTree>
+      <p:nvGrpSpPr>
+        <p:cNvPr id="1" name=""/>
+        <p:cNvGrpSpPr/>
+        <p:nvPr/>
+      </p:nvGrpSpPr>
+      <p:grpSpPr/>
+      <p:sp>
+        <p:nvSpPr>
+          <p:cNvPr id="2" name="标题 1"/>
+          <p:cNvSpPr>
+            <a:spLocks noGrp="1"/>
+          </p:cNvSpPr>
+          <p:nvPr>
+            <p:ph type="title"/>
+          </p:nvPr>
+        </p:nvSpPr>
+        <p:spPr/>
+        <p:txBody>
+          <a:bodyPr/>
+          <a:p>
+            <a:r>
+              <a:rPr lang="zh-CN" altLang="en-US"/>
+              <a:t>编程原则</a:t>
+            </a:r>
+            <a:endParaRPr lang="zh-CN" altLang="en-US"/>
+          </a:p>
+        </p:txBody>
+      </p:sp>
+      <p:sp>
+        <p:nvSpPr>
+          <p:cNvPr id="3" name="内容占位符 2"/>
+          <p:cNvSpPr>
+            <a:spLocks noGrp="1"/>
+          </p:cNvSpPr>
+          <p:nvPr>
+            <p:ph idx="1"/>
+          </p:nvPr>
+        </p:nvSpPr>
+        <p:spPr/>
+        <p:txBody>
+          <a:bodyPr/>
+          <a:p>
+            <a:endParaRPr lang="zh-CN" altLang="en-US"/>
+          </a:p>
+          <a:p>
+            <a:r>
+              <a:rPr lang="zh-CN" altLang="en-US"/>
+              <a:t>不追求</a:t>
+            </a:r>
+            <a:r>
+              <a:rPr lang="en-US" altLang="zh-CN"/>
+              <a:t>“</a:t>
+            </a:r>
+            <a:r>
+              <a:rPr lang="zh-CN" altLang="en-US"/>
+              <a:t>最优解</a:t>
+            </a:r>
+            <a:r>
+              <a:rPr lang="en-US" altLang="zh-CN"/>
+              <a:t>”</a:t>
+            </a:r>
+            <a:r>
+              <a:rPr lang="zh-CN" altLang="zh-CN"/>
+              <a:t>，在满足题目要求前提下，尽量兼顾代码效率和可读、可理解性。</a:t>
+            </a:r>
+            <a:endParaRPr lang="zh-CN" altLang="zh-CN"/>
+          </a:p>
+          <a:p>
+            <a:r>
+              <a:rPr lang="zh-CN" altLang="zh-CN"/>
+              <a:t>以</a:t>
+            </a:r>
+            <a:r>
+              <a:rPr lang="en-US" altLang="zh-CN"/>
+              <a:t>“</a:t>
+            </a:r>
+            <a:r>
+              <a:rPr lang="zh-CN" altLang="en-US"/>
+              <a:t>计算机思维</a:t>
+            </a:r>
+            <a:r>
+              <a:rPr lang="en-US" altLang="zh-CN"/>
+              <a:t>”</a:t>
+            </a:r>
+            <a:r>
+              <a:rPr lang="zh-CN" altLang="en-US"/>
+              <a:t>方式解决问题，而不追求以</a:t>
+            </a:r>
+            <a:r>
+              <a:rPr lang="en-US" altLang="zh-CN"/>
+              <a:t>“</a:t>
+            </a:r>
+            <a:r>
+              <a:rPr lang="zh-CN" altLang="en-US"/>
+              <a:t>数学</a:t>
+            </a:r>
+            <a:r>
+              <a:rPr lang="en-US" altLang="zh-CN"/>
+              <a:t>”</a:t>
+            </a:r>
+            <a:r>
+              <a:rPr lang="zh-CN" altLang="en-US"/>
+              <a:t>方式解决问题</a:t>
+            </a:r>
+            <a:endParaRPr lang="zh-CN" altLang="zh-CN"/>
+          </a:p>
+          <a:p>
+            <a:r>
+              <a:rPr lang="zh-CN" altLang="zh-CN"/>
+              <a:t>例如：求解</a:t>
+            </a:r>
+            <a:r>
+              <a:rPr lang="en-US" altLang="zh-CN"/>
+              <a:t>1+2+3+...+n</a:t>
+            </a:r>
+            <a:r>
+              <a:rPr lang="zh-CN" altLang="zh-CN"/>
+              <a:t>，按照数学思维可直接采用</a:t>
+            </a:r>
+            <a:r>
+              <a:rPr lang="en-US" altLang="zh-CN"/>
+              <a:t>S=(1+n)*n/2</a:t>
+            </a:r>
+            <a:r>
+              <a:rPr lang="zh-CN" altLang="zh-CN"/>
+              <a:t>得到答案，但按照计算机思维，可以使用循环累加实现，尽管数学公式方式更简单快捷，但我们仍然倾向于使用累加计算的方式。</a:t>
+            </a:r>
+            <a:endParaRPr lang="zh-CN" altLang="zh-CN"/>
+          </a:p>
+          <a:p>
+            <a:r>
+              <a:rPr lang="en-US" altLang="zh-CN"/>
+              <a:t>“</a:t>
+            </a:r>
+            <a:r>
+              <a:rPr lang="zh-CN" altLang="en-US"/>
+              <a:t>条条大路通罗马</a:t>
+            </a:r>
+            <a:r>
+              <a:rPr lang="en-US" altLang="zh-CN"/>
+              <a:t>”</a:t>
+            </a:r>
+            <a:r>
+              <a:rPr lang="zh-CN" altLang="en-US"/>
+              <a:t>，如果您有更好的解题方法，欢迎留言讨论。</a:t>
+            </a:r>
+            <a:endParaRPr lang="zh-CN" altLang="zh-CN"/>
+          </a:p>
+          <a:p>
+            <a:r>
+              <a:rPr lang="zh-CN" altLang="zh-CN"/>
+              <a:t>兼顾</a:t>
+            </a:r>
+            <a:r>
+              <a:rPr lang="en-US" altLang="zh-CN"/>
+              <a:t>JAVA</a:t>
+            </a:r>
+            <a:r>
+              <a:rPr lang="zh-CN" altLang="en-US"/>
+              <a:t>编程规范，体现面向对象编程思想</a:t>
+            </a:r>
+            <a:endParaRPr lang="zh-CN" altLang="en-US"/>
+          </a:p>
+        </p:txBody>
+      </p:sp>
+    </p:spTree>
+  </p:cSld>
+  <p:clrMapOvr>
+    <a:masterClrMapping/>
+  </p:clrMapOvr>
+</p:sld>
+</file>
+
+<file path=ppt/slides/slide5.xml><?xml version="1.0" encoding="utf-8"?>
+<p:sld xmlns:a="http://schemas.openxmlformats.org/drawingml/2006/main" xmlns:r="http://schemas.openxmlformats.org/officeDocument/2006/relationships" xmlns:p="http://schemas.openxmlformats.org/presentationml/2006/main">
+  <p:cSld>
+    <p:spTree>
+      <p:nvGrpSpPr>
+        <p:cNvPr id="1" name=""/>
+        <p:cNvGrpSpPr/>
+        <p:nvPr/>
+      </p:nvGrpSpPr>
+      <p:grpSpPr/>
+      <p:sp>
+        <p:nvSpPr>
+          <p:cNvPr id="2" name="标题 1"/>
+          <p:cNvSpPr>
+            <a:spLocks noGrp="1"/>
+          </p:cNvSpPr>
+          <p:nvPr>
+            <p:ph type="title"/>
+          </p:nvPr>
+        </p:nvSpPr>
+        <p:spPr/>
+        <p:txBody>
+          <a:bodyPr/>
+          <a:p>
+            <a:r>
+              <a:rPr lang="zh-CN" altLang="en-US"/>
+              <a:t>编程环境</a:t>
+            </a:r>
+            <a:endParaRPr lang="zh-CN" altLang="en-US"/>
+          </a:p>
+        </p:txBody>
+      </p:sp>
+      <p:sp>
+        <p:nvSpPr>
+          <p:cNvPr id="3" name="内容占位符 2"/>
+          <p:cNvSpPr>
+            <a:spLocks noGrp="1"/>
+          </p:cNvSpPr>
+          <p:nvPr>
+            <p:ph idx="1"/>
+          </p:nvPr>
+        </p:nvSpPr>
+        <p:spPr/>
+        <p:txBody>
+          <a:bodyPr/>
+          <a:p>
+            <a:r>
+              <a:rPr lang="en-US" altLang="zh-CN"/>
+              <a:t>JDK&gt;=1.8</a:t>
+            </a:r>
+            <a:endParaRPr lang="en-US" altLang="zh-CN"/>
+          </a:p>
+          <a:p>
+            <a:endParaRPr lang="en-US" altLang="zh-CN"/>
+          </a:p>
+          <a:p>
+            <a:r>
+              <a:rPr lang="zh-CN" altLang="zh-CN"/>
+              <a:t>仅使用</a:t>
+            </a:r>
+            <a:r>
+              <a:rPr lang="en-US" altLang="zh-CN"/>
+              <a:t>JDK</a:t>
+            </a:r>
+            <a:r>
+              <a:rPr lang="zh-CN" altLang="en-US"/>
+              <a:t>官方开发包，不使用其它任何第三方包</a:t>
+            </a:r>
+            <a:endParaRPr lang="zh-CN" altLang="en-US"/>
+          </a:p>
+          <a:p>
+            <a:endParaRPr lang="zh-CN" altLang="en-US"/>
+          </a:p>
+          <a:p>
+            <a:r>
+              <a:rPr lang="en-US" altLang="zh-CN"/>
+              <a:t>IDE</a:t>
+            </a:r>
+            <a:r>
+              <a:rPr lang="zh-CN" altLang="en-US"/>
+              <a:t>采用</a:t>
+            </a:r>
+            <a:r>
+              <a:rPr lang="en-US" altLang="zh-CN"/>
+              <a:t>Eclipse 2020</a:t>
+            </a:r>
+            <a:r>
+              <a:rPr lang="zh-CN" altLang="zh-CN"/>
+              <a:t>版，但您可以使用其它任何</a:t>
+            </a:r>
+            <a:r>
+              <a:rPr lang="en-US" altLang="zh-CN"/>
+              <a:t>JAVA</a:t>
+            </a:r>
+            <a:r>
+              <a:rPr lang="zh-CN" altLang="en-US"/>
+              <a:t>开发环境编译、运行代码，包括但不限于</a:t>
+            </a:r>
+            <a:r>
+              <a:rPr lang="en-US" altLang="en-US"/>
+              <a:t>IDEA</a:t>
+            </a:r>
+            <a:r>
+              <a:rPr lang="zh-CN" altLang="en-US"/>
+              <a:t>、</a:t>
+            </a:r>
+            <a:r>
+              <a:rPr lang="en-US" altLang="en-US"/>
+              <a:t>Netbeans</a:t>
+            </a:r>
+            <a:r>
+              <a:rPr lang="zh-CN" altLang="en-US"/>
+              <a:t>等。</a:t>
+            </a:r>
+            <a:endParaRPr lang="en-US" altLang="en-US"/>
+          </a:p>
+          <a:p>
+            <a:endParaRPr lang="en-US" altLang="en-US"/>
+          </a:p>
+          <a:p>
+            <a:endParaRPr lang="en-US" altLang="en-US"/>
+          </a:p>
+        </p:txBody>
+      </p:sp>
+    </p:spTree>
+  </p:cSld>
+  <p:clrMapOvr>
+    <a:masterClrMapping/>
+  </p:clrMapOvr>
+</p:sld>
+</file>
+
+<file path=ppt/slides/slide6.xml><?xml version="1.0" encoding="utf-8"?>
+<p:sld xmlns:a="http://schemas.openxmlformats.org/drawingml/2006/main" xmlns:r="http://schemas.openxmlformats.org/officeDocument/2006/relationships" xmlns:p="http://schemas.openxmlformats.org/presentationml/2006/main">
+  <p:cSld>
+    <p:spTree>
+      <p:nvGrpSpPr>
+        <p:cNvPr id="1" name=""/>
+        <p:cNvGrpSpPr/>
+        <p:nvPr/>
+      </p:nvGrpSpPr>
+      <p:grpSpPr/>
+      <p:sp>
+        <p:nvSpPr>
+          <p:cNvPr id="2" name="标题 1"/>
+          <p:cNvSpPr>
+            <a:spLocks noGrp="1"/>
+          </p:cNvSpPr>
+          <p:nvPr>
+            <p:ph type="title"/>
+          </p:nvPr>
+        </p:nvSpPr>
+        <p:spPr/>
+        <p:txBody>
+          <a:bodyPr/>
+          <a:p>
+            <a:endParaRPr lang="zh-CN" altLang="en-US"/>
+          </a:p>
+        </p:txBody>
+      </p:sp>
+      <p:pic>
+        <p:nvPicPr>
+          <p:cNvPr id="4" name="内容占位符 3"/>
+          <p:cNvPicPr>
+            <a:picLocks noChangeAspect="1"/>
+          </p:cNvPicPr>
+          <p:nvPr>
+            <p:ph idx="1"/>
+          </p:nvPr>
+        </p:nvPicPr>
+        <p:blipFill>
+          <a:blip r:embed="rId1"/>
+          <a:stretch>
+            <a:fillRect/>
+          </a:stretch>
+        </p:blipFill>
+        <p:spPr>
+          <a:xfrm>
+            <a:off x="2680335" y="1603375"/>
+            <a:ext cx="6240145" cy="4169410"/>
+          </a:xfrm>
+          <a:prstGeom prst="rect">
+            <a:avLst/>
+          </a:prstGeom>
+        </p:spPr>
+      </p:pic>
+    </p:spTree>
+  </p:cSld>
+  <p:clrMapOvr>
+    <a:masterClrMapping/>
+  </p:clrMapOvr>
+</p:sld>
+</file>
+
+<file path=ppt/slides/slide7.xml><?xml version="1.0" encoding="utf-8"?>
+<p:sld xmlns:a="http://schemas.openxmlformats.org/drawingml/2006/main" xmlns:r="http://schemas.openxmlformats.org/officeDocument/2006/relationships" xmlns:p="http://schemas.openxmlformats.org/presentationml/2006/main">
+  <p:cSld>
+    <p:spTree>
+      <p:nvGrpSpPr>
+        <p:cNvPr id="1" name=""/>
+        <p:cNvGrpSpPr/>
+        <p:nvPr/>
+      </p:nvGrpSpPr>
+      <p:grpSpPr/>
+      <p:sp>
+        <p:nvSpPr>
+          <p:cNvPr id="2" name="标题 1"/>
+          <p:cNvSpPr>
+            <a:spLocks noGrp="1"/>
+          </p:cNvSpPr>
+          <p:nvPr>
+            <p:ph type="title"/>
+          </p:nvPr>
+        </p:nvSpPr>
+        <p:spPr/>
+        <p:txBody>
+          <a:bodyPr/>
+          <a:p>
+            <a:r>
+              <a:rPr lang="zh-CN" altLang="en-US"/>
+              <a:t>题目来源</a:t>
+            </a:r>
+            <a:endParaRPr lang="zh-CN" altLang="en-US"/>
+          </a:p>
+        </p:txBody>
+      </p:sp>
+      <p:sp>
+        <p:nvSpPr>
+          <p:cNvPr id="3" name="内容占位符 2"/>
+          <p:cNvSpPr>
+            <a:spLocks noGrp="1"/>
+          </p:cNvSpPr>
+          <p:nvPr>
+            <p:ph idx="1"/>
+          </p:nvPr>
+        </p:nvSpPr>
+        <p:spPr/>
+        <p:txBody>
+          <a:bodyPr/>
+          <a:p>
+            <a:endParaRPr lang="zh-CN" altLang="en-US"/>
+          </a:p>
+          <a:p>
+            <a:endParaRPr lang="zh-CN" altLang="en-US"/>
+          </a:p>
+          <a:p>
+            <a:r>
+              <a:rPr lang="zh-CN" altLang="en-US"/>
+              <a:t>题目来自于全国软件和信息技术竞赛、全国青少年信息学奥林匹克竞赛等。</a:t>
+            </a:r>
+            <a:endParaRPr lang="zh-CN" altLang="en-US"/>
+          </a:p>
+          <a:p>
+            <a:r>
+              <a:rPr lang="zh-CN" altLang="en-US"/>
+              <a:t>根据难度等级不同，分为</a:t>
+            </a:r>
+            <a:r>
+              <a:rPr lang="en-US" altLang="en-US"/>
+              <a:t>A</a:t>
+            </a:r>
+            <a:r>
+              <a:rPr lang="zh-CN" altLang="en-US"/>
+              <a:t>、</a:t>
+            </a:r>
+            <a:r>
+              <a:rPr lang="en-US" altLang="zh-CN"/>
+              <a:t>B</a:t>
+            </a:r>
+            <a:r>
+              <a:rPr lang="zh-CN" altLang="en-US"/>
+              <a:t>、</a:t>
+            </a:r>
+            <a:r>
+              <a:rPr lang="en-US" altLang="zh-CN"/>
+              <a:t>C</a:t>
+            </a:r>
+            <a:r>
+              <a:rPr lang="zh-CN" altLang="en-US"/>
+              <a:t>、</a:t>
+            </a:r>
+            <a:r>
+              <a:rPr lang="en-US" altLang="zh-CN"/>
+              <a:t>D</a:t>
+            </a:r>
+            <a:r>
+              <a:rPr lang="zh-CN" altLang="zh-CN"/>
+              <a:t>四档，</a:t>
+            </a:r>
+            <a:r>
+              <a:rPr lang="en-US" altLang="zh-CN"/>
+              <a:t>A</a:t>
+            </a:r>
+            <a:r>
+              <a:rPr lang="zh-CN" altLang="en-US"/>
+              <a:t>最高，</a:t>
+            </a:r>
+            <a:r>
+              <a:rPr lang="en-US" altLang="zh-CN"/>
+              <a:t>D</a:t>
+            </a:r>
+            <a:r>
+              <a:rPr lang="zh-CN" altLang="en-US"/>
+              <a:t>最低。</a:t>
+            </a:r>
+            <a:endParaRPr lang="zh-CN" altLang="en-US"/>
+          </a:p>
+          <a:p>
+            <a:endParaRPr lang="zh-CN" altLang="en-US"/>
+          </a:p>
+          <a:p>
+            <a:r>
+              <a:rPr lang="zh-CN" altLang="en-US"/>
+              <a:t>如果您对编程感兴趣，即使不参加任何竞赛，也非常欢迎参加我们的编程讲解。</a:t>
+            </a:r>
+            <a:endParaRPr lang="zh-CN" altLang="en-US"/>
+          </a:p>
+          <a:p>
+            <a:endParaRPr lang="zh-CN" altLang="en-US"/>
+          </a:p>
+          <a:p>
+            <a:endParaRPr lang="zh-CN" altLang="en-US"/>
+          </a:p>
+        </p:txBody>
+      </p:sp>
+    </p:spTree>
+  </p:cSld>
+  <p:clrMapOvr>
+    <a:masterClrMapping/>
+  </p:clrMapOvr>
+</p:sld>
+</file>
+
+<file path=ppt/slides/slide8.xml><?xml version="1.0" encoding="utf-8"?>
+<p:sld xmlns:a="http://schemas.openxmlformats.org/drawingml/2006/main" xmlns:r="http://schemas.openxmlformats.org/officeDocument/2006/relationships" xmlns:p="http://schemas.openxmlformats.org/presentationml/2006/main">
+  <p:cSld>
+    <p:spTree>
+      <p:nvGrpSpPr>
+        <p:cNvPr id="1" name=""/>
+        <p:cNvGrpSpPr/>
+        <p:nvPr/>
+      </p:nvGrpSpPr>
+      <p:grpSpPr/>
+      <p:sp>
+        <p:nvSpPr>
+          <p:cNvPr id="2" name="标题 1"/>
+          <p:cNvSpPr>
+            <a:spLocks noGrp="1"/>
+          </p:cNvSpPr>
+          <p:nvPr>
+            <p:ph type="title"/>
+          </p:nvPr>
+        </p:nvSpPr>
+        <p:spPr/>
+        <p:txBody>
+          <a:bodyPr/>
+          <a:p>
+            <a:r>
+              <a:rPr lang="zh-CN" altLang="en-US"/>
+              <a:t>需要的基础知识</a:t>
+            </a:r>
+            <a:endParaRPr lang="zh-CN" altLang="en-US"/>
+          </a:p>
+        </p:txBody>
+      </p:sp>
+      <p:sp>
+        <p:nvSpPr>
+          <p:cNvPr id="3" name="内容占位符 2"/>
+          <p:cNvSpPr>
+            <a:spLocks noGrp="1"/>
+          </p:cNvSpPr>
+          <p:nvPr>
+            <p:ph idx="1"/>
+          </p:nvPr>
+        </p:nvSpPr>
+        <p:spPr/>
+        <p:txBody>
+          <a:bodyPr/>
+          <a:p>
+            <a:r>
+              <a:rPr lang="en-US" altLang="zh-CN"/>
+              <a:t>JAVA</a:t>
+            </a:r>
+            <a:r>
+              <a:rPr lang="zh-CN" altLang="en-US"/>
+              <a:t>基础知识，包括</a:t>
+            </a:r>
+            <a:r>
+              <a:rPr lang="en-US" altLang="zh-CN"/>
+              <a:t>JAVA</a:t>
+            </a:r>
+            <a:r>
+              <a:rPr lang="zh-CN" altLang="en-US"/>
+              <a:t>表达式、流程控制、面向对象（封装、继承、多态）、字符串（</a:t>
+            </a:r>
+            <a:r>
+              <a:rPr lang="en-US" altLang="zh-CN"/>
+              <a:t>String</a:t>
+            </a:r>
+            <a:r>
+              <a:rPr lang="zh-CN" altLang="en-US"/>
+              <a:t>、</a:t>
+            </a:r>
+            <a:r>
+              <a:rPr lang="en-US" altLang="en-US"/>
+              <a:t>StringBuffer</a:t>
+            </a:r>
+            <a:r>
+              <a:rPr lang="zh-CN" altLang="en-US"/>
+              <a:t>）、日期（</a:t>
+            </a:r>
+            <a:r>
+              <a:rPr lang="en-US" altLang="en-US"/>
+              <a:t>Date</a:t>
+            </a:r>
+            <a:r>
+              <a:rPr lang="zh-CN" altLang="en-US"/>
+              <a:t>、</a:t>
+            </a:r>
+            <a:r>
+              <a:rPr lang="en-US" altLang="en-US"/>
+              <a:t>Calendar</a:t>
+            </a:r>
+            <a:r>
+              <a:rPr lang="zh-CN" altLang="en-US"/>
+              <a:t>、</a:t>
+            </a:r>
+            <a:r>
+              <a:rPr lang="en-US" altLang="en-US"/>
+              <a:t>LocalDate</a:t>
+            </a:r>
+            <a:r>
+              <a:rPr lang="zh-CN" altLang="en-US"/>
+              <a:t>等）、数学类（</a:t>
+            </a:r>
+            <a:r>
+              <a:rPr lang="en-US" altLang="zh-CN"/>
+              <a:t>Math</a:t>
+            </a:r>
+            <a:r>
+              <a:rPr lang="zh-CN" altLang="en-US"/>
+              <a:t>）等。</a:t>
+            </a:r>
+            <a:endParaRPr lang="zh-CN" altLang="en-US"/>
+          </a:p>
+          <a:p>
+            <a:r>
+              <a:rPr lang="zh-CN" altLang="en-US"/>
+              <a:t>熟悉</a:t>
+            </a:r>
+            <a:r>
+              <a:rPr lang="en-US" altLang="zh-CN"/>
+              <a:t>JAVA</a:t>
+            </a:r>
+            <a:r>
+              <a:rPr lang="zh-CN" altLang="en-US"/>
+              <a:t>集合框架，包括</a:t>
+            </a:r>
+            <a:r>
+              <a:rPr lang="en-US" altLang="en-US"/>
+              <a:t>List</a:t>
+            </a:r>
+            <a:r>
+              <a:rPr lang="zh-CN" altLang="en-US"/>
+              <a:t>、</a:t>
+            </a:r>
+            <a:r>
+              <a:rPr lang="en-US" altLang="en-US"/>
+              <a:t>Set</a:t>
+            </a:r>
+            <a:r>
+              <a:rPr lang="zh-CN" altLang="en-US"/>
+              <a:t>、</a:t>
+            </a:r>
+            <a:r>
+              <a:rPr lang="en-US" altLang="en-US"/>
+              <a:t>Map</a:t>
+            </a:r>
+            <a:r>
+              <a:rPr lang="zh-CN" altLang="en-US"/>
+              <a:t>、</a:t>
+            </a:r>
+            <a:r>
+              <a:rPr lang="en-US" altLang="en-US"/>
+              <a:t>Queue</a:t>
+            </a:r>
+            <a:r>
+              <a:rPr lang="zh-CN" altLang="en-US"/>
+              <a:t>、</a:t>
+            </a:r>
+            <a:r>
+              <a:rPr lang="en-US" altLang="en-US"/>
+              <a:t>Stack</a:t>
+            </a:r>
+            <a:r>
+              <a:rPr lang="zh-CN" altLang="en-US"/>
+              <a:t>等。</a:t>
+            </a:r>
+            <a:endParaRPr lang="zh-CN" altLang="en-US"/>
+          </a:p>
+          <a:p>
+            <a:r>
+              <a:rPr lang="zh-CN" altLang="en-US"/>
+              <a:t>掌握一些基本的算法，例如排序、递归、树、图等结构。</a:t>
+            </a:r>
+            <a:endParaRPr lang="zh-CN" altLang="en-US"/>
+          </a:p>
+          <a:p>
+            <a:endParaRPr lang="zh-CN" altLang="en-US"/>
+          </a:p>
+          <a:p>
+            <a:r>
+              <a:rPr lang="zh-CN" altLang="en-US"/>
+              <a:t>我们并不是专门讲数据结构和算法，也不会使用过于复杂的算法逻辑，所以您不必在这方面纠结</a:t>
+            </a:r>
+            <a:endParaRPr lang="zh-CN" altLang="en-US"/>
+          </a:p>
+        </p:txBody>
+      </p:sp>
+    </p:spTree>
+  </p:cSld>
+  <p:clrMapOvr>
+    <a:masterClrMapping/>
+  </p:clrMapOvr>
+</p:sld>
+</file>
+
+<file path=ppt/slides/slide9.xml><?xml version="1.0" encoding="utf-8"?>
+<p:sld xmlns:a="http://schemas.openxmlformats.org/drawingml/2006/main" xmlns:r="http://schemas.openxmlformats.org/officeDocument/2006/relationships" xmlns:p="http://schemas.openxmlformats.org/presentationml/2006/main">
+  <p:cSld>
+    <p:spTree>
+      <p:nvGrpSpPr>
+        <p:cNvPr id="1" name=""/>
+        <p:cNvGrpSpPr/>
+        <p:nvPr/>
+      </p:nvGrpSpPr>
+      <p:grpSpPr/>
+      <p:sp>
+        <p:nvSpPr>
+          <p:cNvPr id="2" name="标题 1"/>
+          <p:cNvSpPr>
+            <a:spLocks noGrp="1"/>
+          </p:cNvSpPr>
+          <p:nvPr>
+            <p:ph type="title"/>
+          </p:nvPr>
+        </p:nvSpPr>
+        <p:spPr/>
+        <p:txBody>
+          <a:bodyPr/>
+          <a:p>
+            <a:r>
+              <a:rPr lang="zh-CN" altLang="en-US"/>
+              <a:t>公共类</a:t>
+            </a:r>
+            <a:endParaRPr lang="zh-CN" altLang="en-US"/>
+          </a:p>
+        </p:txBody>
+      </p:sp>
+      <p:sp>
+        <p:nvSpPr>
+          <p:cNvPr id="3" name="内容占位符 2"/>
+          <p:cNvSpPr>
+            <a:spLocks noGrp="1"/>
+          </p:cNvSpPr>
+          <p:nvPr>
+            <p:ph idx="1"/>
+          </p:nvPr>
+        </p:nvSpPr>
+        <p:spPr/>
+        <p:txBody>
+          <a:bodyPr/>
+          <a:p>
+            <a:r>
+              <a:rPr lang="zh-CN" altLang="en-US"/>
+              <a:t>由于很多题目的数据是以外部文本文件形式存在的，为了方便读取，编写了公共类practise.util</a:t>
+            </a:r>
+            <a:r>
+              <a:rPr lang="en-US" altLang="zh-CN"/>
+              <a:t>.FileUtil</a:t>
+            </a:r>
+            <a:r>
+              <a:rPr lang="zh-CN" altLang="en-US"/>
+              <a:t>，用于读取文本文件内容，</a:t>
+            </a:r>
+            <a:endParaRPr lang="zh-CN" altLang="en-US"/>
+          </a:p>
+        </p:txBody>
+      </p:sp>
+      <p:pic>
+        <p:nvPicPr>
+          <p:cNvPr id="4" name="图片 3"/>
+          <p:cNvPicPr>
+            <a:picLocks noChangeAspect="1"/>
+          </p:cNvPicPr>
+          <p:nvPr/>
+        </p:nvPicPr>
+        <p:blipFill>
+          <a:blip r:embed="rId1"/>
+          <a:stretch>
+            <a:fillRect/>
+          </a:stretch>
+        </p:blipFill>
+        <p:spPr>
+          <a:xfrm>
+            <a:off x="2602865" y="2124710"/>
+            <a:ext cx="5525770" cy="4538980"/>
+          </a:xfrm>
+          <a:prstGeom prst="rect">
+            <a:avLst/>
+          </a:prstGeom>
+        </p:spPr>
+      </p:pic>
+    </p:spTree>
+  </p:cSld>
+  <p:clrMapOvr>
+    <a:masterClrMapping/>
+  </p:clrMapOvr>
+</p:sld>
+</file>
+
 <file path=ppt/tags/tag1.xml><?xml version="1.0" encoding="utf-8"?>
 <p:tagLst xmlns:p="http://schemas.openxmlformats.org/presentationml/2006/main">
   <p:tag name="POCKET_APPLY_TIME" val="2021年1月5日"/>
